--- a/Projects/Project 1/Project1_Tlove Presentation.pptx
+++ b/Projects/Project 1/Project1_Tlove Presentation.pptx
@@ -10,9 +10,12 @@
     <p:sldId id="258" r:id="rId4"/>
     <p:sldId id="259" r:id="rId5"/>
     <p:sldId id="260" r:id="rId6"/>
-    <p:sldId id="261" r:id="rId7"/>
-    <p:sldId id="262" r:id="rId8"/>
-    <p:sldId id="263" r:id="rId9"/>
+    <p:sldId id="263" r:id="rId7"/>
+    <p:sldId id="264" r:id="rId8"/>
+    <p:sldId id="265" r:id="rId9"/>
+    <p:sldId id="266" r:id="rId10"/>
+    <p:sldId id="267" r:id="rId11"/>
+    <p:sldId id="268" r:id="rId12"/>
   </p:sldIdLst>
   <p:sldSz cx="9144000" cy="6858000" type="screen4x3"/>
   <p:notesSz cx="6858000" cy="9144000"/>
@@ -3182,6 +3185,196 @@
 </p:sld>
 </file>
 
+<file path=ppt/slides/slide10.xml><?xml version="1.0" encoding="utf-8"?>
+<p:sld xmlns:a="http://schemas.openxmlformats.org/drawingml/2006/main" xmlns:r="http://schemas.openxmlformats.org/officeDocument/2006/relationships" xmlns:p="http://schemas.openxmlformats.org/presentationml/2006/main">
+  <p:cSld>
+    <p:spTree>
+      <p:nvGrpSpPr>
+        <p:cNvPr id="1" name=""/>
+        <p:cNvGrpSpPr/>
+        <p:nvPr/>
+      </p:nvGrpSpPr>
+      <p:grpSpPr>
+        <a:xfrm>
+          <a:off x="0" y="0"/>
+          <a:ext cx="0" cy="0"/>
+          <a:chOff x="0" y="0"/>
+          <a:chExt cx="0" cy="0"/>
+        </a:xfrm>
+      </p:grpSpPr>
+      <p:sp>
+        <p:nvSpPr>
+          <p:cNvPr id="2" name="Title 1"/>
+          <p:cNvSpPr>
+            <a:spLocks noGrp="1"/>
+          </p:cNvSpPr>
+          <p:nvPr>
+            <p:ph type="title"/>
+          </p:nvPr>
+        </p:nvSpPr>
+        <p:spPr/>
+        <p:txBody>
+          <a:bodyPr/>
+          <a:lstStyle/>
+          <a:p>
+            <a:r>
+              <a:rPr lang="en-US" dirty="0" smtClean="0"/>
+              <a:t>Water Usage</a:t>
+            </a:r>
+            <a:endParaRPr lang="en-US" dirty="0"/>
+          </a:p>
+        </p:txBody>
+      </p:sp>
+      <p:pic>
+        <p:nvPicPr>
+          <p:cNvPr id="4" name="Content Placeholder 3" descr="download (6).png"/>
+          <p:cNvPicPr>
+            <a:picLocks noGrp="1" noChangeAspect="1"/>
+          </p:cNvPicPr>
+          <p:nvPr>
+            <p:ph idx="1"/>
+          </p:nvPr>
+        </p:nvPicPr>
+        <p:blipFill>
+          <a:blip r:embed="rId2">
+            <a:extLst>
+              <a:ext uri="{28A0092B-C50C-407E-A947-70E740481C1C}">
+                <a14:useLocalDpi xmlns:a14="http://schemas.microsoft.com/office/drawing/2010/main" val="0"/>
+              </a:ext>
+            </a:extLst>
+          </a:blip>
+          <a:srcRect l="-39680" r="-39680"/>
+          <a:stretch>
+            <a:fillRect/>
+          </a:stretch>
+        </p:blipFill>
+        <p:spPr/>
+      </p:pic>
+    </p:spTree>
+    <p:extLst>
+      <p:ext uri="{BB962C8B-B14F-4D97-AF65-F5344CB8AC3E}">
+        <p14:creationId xmlns:p14="http://schemas.microsoft.com/office/powerpoint/2010/main" val="2044466950"/>
+      </p:ext>
+    </p:extLst>
+  </p:cSld>
+  <p:clrMapOvr>
+    <a:masterClrMapping/>
+  </p:clrMapOvr>
+</p:sld>
+</file>
+
+<file path=ppt/slides/slide11.xml><?xml version="1.0" encoding="utf-8"?>
+<p:sld xmlns:a="http://schemas.openxmlformats.org/drawingml/2006/main" xmlns:r="http://schemas.openxmlformats.org/officeDocument/2006/relationships" xmlns:p="http://schemas.openxmlformats.org/presentationml/2006/main">
+  <p:cSld>
+    <p:spTree>
+      <p:nvGrpSpPr>
+        <p:cNvPr id="1" name=""/>
+        <p:cNvGrpSpPr/>
+        <p:nvPr/>
+      </p:nvGrpSpPr>
+      <p:grpSpPr>
+        <a:xfrm>
+          <a:off x="0" y="0"/>
+          <a:ext cx="0" cy="0"/>
+          <a:chOff x="0" y="0"/>
+          <a:chExt cx="0" cy="0"/>
+        </a:xfrm>
+      </p:grpSpPr>
+      <p:sp>
+        <p:nvSpPr>
+          <p:cNvPr id="2" name="Title 1"/>
+          <p:cNvSpPr>
+            <a:spLocks noGrp="1"/>
+          </p:cNvSpPr>
+          <p:nvPr>
+            <p:ph type="title"/>
+          </p:nvPr>
+        </p:nvSpPr>
+        <p:spPr/>
+        <p:txBody>
+          <a:bodyPr/>
+          <a:lstStyle/>
+          <a:p>
+            <a:r>
+              <a:rPr lang="en-US" smtClean="0"/>
+              <a:t>Next Steps</a:t>
+            </a:r>
+            <a:endParaRPr lang="en-US" dirty="0"/>
+          </a:p>
+        </p:txBody>
+      </p:sp>
+      <p:sp>
+        <p:nvSpPr>
+          <p:cNvPr id="3" name="Content Placeholder 2"/>
+          <p:cNvSpPr>
+            <a:spLocks noGrp="1"/>
+          </p:cNvSpPr>
+          <p:nvPr>
+            <p:ph idx="1"/>
+          </p:nvPr>
+        </p:nvSpPr>
+        <p:spPr/>
+        <p:txBody>
+          <a:bodyPr/>
+          <a:lstStyle/>
+          <a:p>
+            <a:r>
+              <a:rPr lang="en-US" dirty="0" smtClean="0"/>
+              <a:t>Census Data</a:t>
+            </a:r>
+          </a:p>
+          <a:p>
+            <a:r>
+              <a:rPr lang="en-US" dirty="0" smtClean="0"/>
+              <a:t>New data sources from the City</a:t>
+            </a:r>
+            <a:endParaRPr lang="en-US" dirty="0"/>
+          </a:p>
+        </p:txBody>
+      </p:sp>
+      <p:pic>
+        <p:nvPicPr>
+          <p:cNvPr id="4" name="Picture 3" descr="Screen Shot 2015-02-23 at 6.43.43 PM.png"/>
+          <p:cNvPicPr>
+            <a:picLocks noChangeAspect="1"/>
+          </p:cNvPicPr>
+          <p:nvPr/>
+        </p:nvPicPr>
+        <p:blipFill>
+          <a:blip r:embed="rId2">
+            <a:extLst>
+              <a:ext uri="{28A0092B-C50C-407E-A947-70E740481C1C}">
+                <a14:useLocalDpi xmlns:a14="http://schemas.microsoft.com/office/drawing/2010/main" val="0"/>
+              </a:ext>
+            </a:extLst>
+          </a:blip>
+          <a:stretch>
+            <a:fillRect/>
+          </a:stretch>
+        </p:blipFill>
+        <p:spPr>
+          <a:xfrm>
+            <a:off x="1675024" y="2993406"/>
+            <a:ext cx="5824460" cy="2762458"/>
+          </a:xfrm>
+          <a:prstGeom prst="rect">
+            <a:avLst/>
+          </a:prstGeom>
+        </p:spPr>
+      </p:pic>
+    </p:spTree>
+    <p:extLst>
+      <p:ext uri="{BB962C8B-B14F-4D97-AF65-F5344CB8AC3E}">
+        <p14:creationId xmlns:p14="http://schemas.microsoft.com/office/powerpoint/2010/main" val="2321782543"/>
+      </p:ext>
+    </p:extLst>
+  </p:cSld>
+  <p:clrMapOvr>
+    <a:masterClrMapping/>
+  </p:clrMapOvr>
+</p:sld>
+</file>
+
 <file path=ppt/slides/slide2.xml><?xml version="1.0" encoding="utf-8"?>
 <p:sld xmlns:a="http://schemas.openxmlformats.org/drawingml/2006/main" xmlns:r="http://schemas.openxmlformats.org/officeDocument/2006/relationships" xmlns:p="http://schemas.openxmlformats.org/presentationml/2006/main">
   <p:cSld>
@@ -3234,10 +3427,58 @@
         </p:nvSpPr>
         <p:spPr/>
         <p:txBody>
-          <a:bodyPr/>
-          <a:lstStyle/>
-          <a:p>
-            <a:endParaRPr lang="en-US"/>
+          <a:bodyPr>
+            <a:normAutofit/>
+          </a:bodyPr>
+          <a:lstStyle/>
+          <a:p>
+            <a:r>
+              <a:rPr lang="en-US" dirty="0" smtClean="0"/>
+              <a:t>Large Buildings (&gt; 50k ft2) must submit energy usage information</a:t>
+            </a:r>
+          </a:p>
+          <a:p>
+            <a:pPr lvl="1"/>
+            <a:r>
+              <a:rPr lang="en-US" dirty="0" smtClean="0"/>
+              <a:t>Energy Usage Intensity (EUI) is gross BTUs of usage divided by square footage</a:t>
+            </a:r>
+          </a:p>
+          <a:p>
+            <a:pPr lvl="1"/>
+            <a:r>
+              <a:rPr lang="en-US" dirty="0" smtClean="0"/>
+              <a:t>Water usage per square footage</a:t>
+            </a:r>
+          </a:p>
+          <a:p>
+            <a:pPr lvl="1"/>
+            <a:r>
+              <a:rPr lang="en-US" dirty="0" smtClean="0"/>
+              <a:t>GHG emissions</a:t>
+            </a:r>
+            <a:endParaRPr lang="en-US" dirty="0" smtClean="0"/>
+          </a:p>
+          <a:p>
+            <a:r>
+              <a:rPr lang="en-US" dirty="0" smtClean="0"/>
+              <a:t>Data for 2011 and 2012 Available</a:t>
+            </a:r>
+            <a:r>
+              <a:rPr lang="en-US" dirty="0"/>
+              <a:t> </a:t>
+            </a:r>
+            <a:r>
+              <a:rPr lang="en-US" dirty="0" smtClean="0"/>
+              <a:t>on </a:t>
+            </a:r>
+            <a:r>
+              <a:rPr lang="en-US" b="1" dirty="0" smtClean="0"/>
+              <a:t>Open Data NYC</a:t>
+            </a:r>
+          </a:p>
+          <a:p>
+            <a:endParaRPr lang="en-US" dirty="0" smtClean="0"/>
           </a:p>
         </p:txBody>
       </p:sp>
@@ -3288,7 +3529,7 @@
           <a:p>
             <a:r>
               <a:rPr lang="en-US" dirty="0" smtClean="0"/>
-              <a:t>Overview of Data</a:t>
+              <a:t>Goals</a:t>
             </a:r>
             <a:endParaRPr lang="en-US" dirty="0"/>
           </a:p>
@@ -3309,7 +3550,23 @@
           <a:bodyPr/>
           <a:lstStyle/>
           <a:p>
-            <a:endParaRPr lang="en-US"/>
+            <a:r>
+              <a:rPr lang="en-US" dirty="0" smtClean="0"/>
+              <a:t>Work on ways to explain variations in EUI, in particular for Multifamily buildings.</a:t>
+            </a:r>
+          </a:p>
+          <a:p>
+            <a:r>
+              <a:rPr lang="en-US" dirty="0" smtClean="0"/>
+              <a:t>Benchmarking </a:t>
+            </a:r>
+          </a:p>
+          <a:p>
+            <a:r>
+              <a:rPr lang="en-US" dirty="0" smtClean="0"/>
+              <a:t>Identifying ways to help NYC and other building owners lower usage.</a:t>
+            </a:r>
+            <a:endParaRPr lang="en-US" dirty="0"/>
           </a:p>
         </p:txBody>
       </p:sp>
@@ -3383,15 +3640,313 @@
           <a:p>
             <a:r>
               <a:rPr lang="en-US" dirty="0" smtClean="0"/>
-              <a:t>Nulls dropped</a:t>
-            </a:r>
+              <a:t>Dropped observations without </a:t>
+            </a:r>
+            <a:r>
+              <a:rPr lang="en-US" dirty="0" err="1" smtClean="0"/>
+              <a:t>EUIwn</a:t>
+            </a:r>
+            <a:endParaRPr lang="en-US" dirty="0" smtClean="0"/>
           </a:p>
           <a:p>
             <a:r>
               <a:rPr lang="en-US" dirty="0" smtClean="0"/>
-              <a:t>Anomalies removed</a:t>
-            </a:r>
-            <a:endParaRPr lang="en-US" dirty="0"/>
+              <a:t>Combined 2011 and 2012 Data</a:t>
+            </a:r>
+          </a:p>
+          <a:p>
+            <a:r>
+              <a:rPr lang="en-US" dirty="0" smtClean="0"/>
+              <a:t>Removed anomalies</a:t>
+            </a:r>
+          </a:p>
+        </p:txBody>
+      </p:sp>
+      <p:graphicFrame>
+        <p:nvGraphicFramePr>
+          <p:cNvPr id="6" name="Table 5"/>
+          <p:cNvGraphicFramePr>
+            <a:graphicFrameLocks noGrp="1"/>
+          </p:cNvGraphicFramePr>
+          <p:nvPr>
+            <p:extLst>
+              <p:ext uri="{D42A27DB-BD31-4B8C-83A1-F6EECF244321}">
+                <p14:modId xmlns:p14="http://schemas.microsoft.com/office/powerpoint/2010/main" val="2793867414"/>
+              </p:ext>
+            </p:extLst>
+          </p:nvPr>
+        </p:nvGraphicFramePr>
+        <p:xfrm>
+          <a:off x="983863" y="3674483"/>
+          <a:ext cx="6096000" cy="2595880"/>
+        </p:xfrm>
+        <a:graphic>
+          <a:graphicData uri="http://schemas.openxmlformats.org/drawingml/2006/table">
+            <a:tbl>
+              <a:tblPr firstRow="1" bandRow="1">
+                <a:tableStyleId>{5C22544A-7EE6-4342-B048-85BDC9FD1C3A}</a:tableStyleId>
+              </a:tblPr>
+              <a:tblGrid>
+                <a:gridCol w="3048000"/>
+                <a:gridCol w="3048000"/>
+              </a:tblGrid>
+              <a:tr h="370840">
+                <a:tc>
+                  <a:txBody>
+                    <a:bodyPr/>
+                    <a:lstStyle/>
+                    <a:p>
+                      <a:r>
+                        <a:rPr lang="en-US" dirty="0" smtClean="0"/>
+                        <a:t>Start</a:t>
+                      </a:r>
+                      <a:endParaRPr lang="en-US" dirty="0"/>
+                    </a:p>
+                  </a:txBody>
+                  <a:tcPr/>
+                </a:tc>
+                <a:tc>
+                  <a:txBody>
+                    <a:bodyPr/>
+                    <a:lstStyle/>
+                    <a:p>
+                      <a:r>
+                        <a:rPr lang="en-US" dirty="0" smtClean="0"/>
+                        <a:t>13,390</a:t>
+                      </a:r>
+                      <a:endParaRPr lang="en-US" dirty="0"/>
+                    </a:p>
+                  </a:txBody>
+                  <a:tcPr/>
+                </a:tc>
+              </a:tr>
+              <a:tr h="370840">
+                <a:tc>
+                  <a:txBody>
+                    <a:bodyPr/>
+                    <a:lstStyle/>
+                    <a:p>
+                      <a:r>
+                        <a:rPr lang="en-US" dirty="0" smtClean="0"/>
+                        <a:t>EUI of 0</a:t>
+                      </a:r>
+                      <a:endParaRPr lang="en-US" dirty="0"/>
+                    </a:p>
+                  </a:txBody>
+                  <a:tcPr/>
+                </a:tc>
+                <a:tc>
+                  <a:txBody>
+                    <a:bodyPr/>
+                    <a:lstStyle/>
+                    <a:p>
+                      <a:r>
+                        <a:rPr lang="en-US" dirty="0" smtClean="0"/>
+                        <a:t>96</a:t>
+                      </a:r>
+                      <a:endParaRPr lang="en-US" dirty="0"/>
+                    </a:p>
+                  </a:txBody>
+                  <a:tcPr/>
+                </a:tc>
+              </a:tr>
+              <a:tr h="370840">
+                <a:tc>
+                  <a:txBody>
+                    <a:bodyPr/>
+                    <a:lstStyle/>
+                    <a:p>
+                      <a:r>
+                        <a:rPr lang="en-US" dirty="0" err="1" smtClean="0"/>
+                        <a:t>EUI</a:t>
+                      </a:r>
+                      <a:r>
+                        <a:rPr lang="en-US" baseline="0" dirty="0" err="1" smtClean="0"/>
+                        <a:t>wn</a:t>
+                      </a:r>
+                      <a:r>
+                        <a:rPr lang="en-US" baseline="0" dirty="0" smtClean="0"/>
+                        <a:t> &gt; 1,000</a:t>
+                      </a:r>
+                      <a:endParaRPr lang="en-US" dirty="0"/>
+                    </a:p>
+                  </a:txBody>
+                  <a:tcPr/>
+                </a:tc>
+                <a:tc>
+                  <a:txBody>
+                    <a:bodyPr/>
+                    <a:lstStyle/>
+                    <a:p>
+                      <a:r>
+                        <a:rPr lang="en-US" dirty="0" smtClean="0"/>
+                        <a:t>153</a:t>
+                      </a:r>
+                      <a:endParaRPr lang="en-US" dirty="0"/>
+                    </a:p>
+                  </a:txBody>
+                  <a:tcPr/>
+                </a:tc>
+              </a:tr>
+              <a:tr h="370840">
+                <a:tc>
+                  <a:txBody>
+                    <a:bodyPr/>
+                    <a:lstStyle/>
+                    <a:p>
+                      <a:r>
+                        <a:rPr lang="en-US" dirty="0" err="1" smtClean="0"/>
+                        <a:t>EUIwn</a:t>
+                      </a:r>
+                      <a:r>
+                        <a:rPr lang="en-US" dirty="0" smtClean="0"/>
+                        <a:t> &lt; 5</a:t>
+                      </a:r>
+                      <a:endParaRPr lang="en-US" dirty="0"/>
+                    </a:p>
+                  </a:txBody>
+                  <a:tcPr/>
+                </a:tc>
+                <a:tc>
+                  <a:txBody>
+                    <a:bodyPr/>
+                    <a:lstStyle/>
+                    <a:p>
+                      <a:r>
+                        <a:rPr lang="en-US" dirty="0" smtClean="0"/>
+                        <a:t>62</a:t>
+                      </a:r>
+                      <a:endParaRPr lang="en-US" dirty="0"/>
+                    </a:p>
+                  </a:txBody>
+                  <a:tcPr/>
+                </a:tc>
+              </a:tr>
+              <a:tr h="370840">
+                <a:tc>
+                  <a:txBody>
+                    <a:bodyPr/>
+                    <a:lstStyle/>
+                    <a:p>
+                      <a:r>
+                        <a:rPr lang="en-US" dirty="0" smtClean="0"/>
+                        <a:t>Floor</a:t>
+                      </a:r>
+                      <a:r>
+                        <a:rPr lang="en-US" baseline="0" dirty="0" smtClean="0"/>
+                        <a:t> area &lt; 25k ft2</a:t>
+                      </a:r>
+                      <a:endParaRPr lang="en-US" dirty="0"/>
+                    </a:p>
+                  </a:txBody>
+                  <a:tcPr/>
+                </a:tc>
+                <a:tc>
+                  <a:txBody>
+                    <a:bodyPr/>
+                    <a:lstStyle/>
+                    <a:p>
+                      <a:r>
+                        <a:rPr lang="en-US" dirty="0" smtClean="0"/>
+                        <a:t>320</a:t>
+                      </a:r>
+                      <a:endParaRPr lang="en-US" dirty="0"/>
+                    </a:p>
+                  </a:txBody>
+                  <a:tcPr/>
+                </a:tc>
+              </a:tr>
+              <a:tr h="370840">
+                <a:tc>
+                  <a:txBody>
+                    <a:bodyPr/>
+                    <a:lstStyle/>
+                    <a:p>
+                      <a:r>
+                        <a:rPr lang="en-US" dirty="0" smtClean="0"/>
+                        <a:t>Missing GHG</a:t>
+                      </a:r>
+                      <a:endParaRPr lang="en-US" dirty="0"/>
+                    </a:p>
+                  </a:txBody>
+                  <a:tcPr/>
+                </a:tc>
+                <a:tc>
+                  <a:txBody>
+                    <a:bodyPr/>
+                    <a:lstStyle/>
+                    <a:p>
+                      <a:r>
+                        <a:rPr lang="en-US" dirty="0" smtClean="0"/>
+                        <a:t>44</a:t>
+                      </a:r>
+                      <a:endParaRPr lang="en-US" dirty="0"/>
+                    </a:p>
+                  </a:txBody>
+                  <a:tcPr/>
+                </a:tc>
+              </a:tr>
+              <a:tr h="370840">
+                <a:tc>
+                  <a:txBody>
+                    <a:bodyPr/>
+                    <a:lstStyle/>
+                    <a:p>
+                      <a:r>
+                        <a:rPr lang="en-US" b="1" dirty="0" smtClean="0"/>
+                        <a:t>End</a:t>
+                      </a:r>
+                      <a:endParaRPr lang="en-US" b="1" dirty="0"/>
+                    </a:p>
+                  </a:txBody>
+                  <a:tcPr/>
+                </a:tc>
+                <a:tc>
+                  <a:txBody>
+                    <a:bodyPr/>
+                    <a:lstStyle/>
+                    <a:p>
+                      <a:r>
+                        <a:rPr lang="en-US" b="1" dirty="0" smtClean="0"/>
+                        <a:t>12,715</a:t>
+                      </a:r>
+                      <a:endParaRPr lang="en-US" b="1" dirty="0"/>
+                    </a:p>
+                  </a:txBody>
+                  <a:tcPr/>
+                </a:tc>
+              </a:tr>
+            </a:tbl>
+          </a:graphicData>
+        </a:graphic>
+      </p:graphicFrame>
+      <p:sp>
+        <p:nvSpPr>
+          <p:cNvPr id="7" name="TextBox 6"/>
+          <p:cNvSpPr txBox="1"/>
+          <p:nvPr/>
+        </p:nvSpPr>
+        <p:spPr>
+          <a:xfrm>
+            <a:off x="796735" y="6452871"/>
+            <a:ext cx="6283128" cy="369332"/>
+          </a:xfrm>
+          <a:prstGeom prst="rect">
+            <a:avLst/>
+          </a:prstGeom>
+          <a:noFill/>
+        </p:spPr>
+        <p:txBody>
+          <a:bodyPr wrap="none" rtlCol="0">
+            <a:spAutoFit/>
+          </a:bodyPr>
+          <a:lstStyle/>
+          <a:p>
+            <a:r>
+              <a:rPr lang="en-US" i="1" dirty="0" smtClean="0"/>
+              <a:t>Also took out 499 water_ft2 &gt; 1,000, but kept rest of observation</a:t>
+            </a:r>
+            <a:endParaRPr lang="en-US" i="1" dirty="0"/>
           </a:p>
         </p:txBody>
       </p:sp>
@@ -3405,6 +3960,13 @@
   <p:clrMapOvr>
     <a:masterClrMapping/>
   </p:clrMapOvr>
+  <p:timing>
+    <p:tnLst>
+      <p:par>
+        <p:cTn xmlns:p14="http://schemas.microsoft.com/office/powerpoint/2010/main" id="1" dur="indefinite" restart="never" nodeType="tmRoot"/>
+      </p:par>
+    </p:tnLst>
+  </p:timing>
 </p:sld>
 </file>
 
@@ -3442,7 +4004,11 @@
           <a:p>
             <a:r>
               <a:rPr lang="en-US" dirty="0" smtClean="0"/>
-              <a:t>Subgroups</a:t>
+              <a:t>Subgroups and New </a:t>
+            </a:r>
+            <a:r>
+              <a:rPr lang="en-US" dirty="0" err="1" smtClean="0"/>
+              <a:t>Vars</a:t>
             </a:r>
             <a:endParaRPr lang="en-US" dirty="0"/>
           </a:p>
@@ -3460,18 +4026,83 @@
         </p:nvSpPr>
         <p:spPr/>
         <p:txBody>
-          <a:bodyPr/>
-          <a:lstStyle/>
-          <a:p>
+          <a:bodyPr>
+            <a:normAutofit fontScale="92500" lnSpcReduction="10000"/>
+          </a:bodyPr>
+          <a:lstStyle/>
+          <a:p>
+            <a:r>
+              <a:rPr lang="en-US" dirty="0" err="1" smtClean="0"/>
+              <a:t>Subroups</a:t>
+            </a:r>
+            <a:endParaRPr lang="en-US" dirty="0" smtClean="0"/>
+          </a:p>
+          <a:p>
+            <a:pPr lvl="1"/>
             <a:r>
               <a:rPr lang="en-US" dirty="0" smtClean="0"/>
-              <a:t>Year</a:t>
-            </a:r>
-          </a:p>
-          <a:p>
+              <a:t>Top 10 Buildings Types</a:t>
+            </a:r>
+          </a:p>
+          <a:p>
+            <a:pPr lvl="1"/>
             <a:r>
               <a:rPr lang="en-US" dirty="0" smtClean="0"/>
-              <a:t>Type</a:t>
+              <a:t>Multifamily</a:t>
+            </a:r>
+          </a:p>
+          <a:p>
+            <a:pPr lvl="1"/>
+            <a:r>
+              <a:rPr lang="en-US" dirty="0" smtClean="0"/>
+              <a:t>Office</a:t>
+            </a:r>
+          </a:p>
+          <a:p>
+            <a:pPr lvl="1"/>
+            <a:r>
+              <a:rPr lang="en-US" dirty="0" smtClean="0"/>
+              <a:t>Years 2011 and 2012</a:t>
+            </a:r>
+            <a:endParaRPr lang="en-US" dirty="0" smtClean="0"/>
+          </a:p>
+          <a:p>
+            <a:r>
+              <a:rPr lang="en-US" dirty="0" smtClean="0"/>
+              <a:t>Other </a:t>
+            </a:r>
+            <a:r>
+              <a:rPr lang="en-US" dirty="0" err="1" smtClean="0"/>
+              <a:t>Vars</a:t>
+            </a:r>
+            <a:endParaRPr lang="en-US" dirty="0" smtClean="0"/>
+          </a:p>
+          <a:p>
+            <a:pPr lvl="1"/>
+            <a:r>
+              <a:rPr lang="en-US" dirty="0" smtClean="0"/>
+              <a:t>Normalized continuous variables</a:t>
+            </a:r>
+          </a:p>
+          <a:p>
+            <a:pPr lvl="1"/>
+            <a:r>
+              <a:rPr lang="en-US" dirty="0" smtClean="0"/>
+              <a:t>Dummies</a:t>
+            </a:r>
+          </a:p>
+          <a:p>
+            <a:pPr lvl="1"/>
+            <a:r>
+              <a:rPr lang="en-US" dirty="0" smtClean="0"/>
+              <a:t>Split BBL</a:t>
+            </a:r>
+          </a:p>
+          <a:p>
+            <a:pPr lvl="1"/>
+            <a:r>
+              <a:rPr lang="en-US" dirty="0" smtClean="0"/>
+              <a:t>Categorical in numeric for graphing</a:t>
             </a:r>
             <a:endParaRPr lang="en-US" dirty="0"/>
           </a:p>
@@ -3519,42 +4150,46 @@
         </p:nvSpPr>
         <p:spPr/>
         <p:txBody>
-          <a:bodyPr>
-            <a:normAutofit/>
-          </a:bodyPr>
+          <a:bodyPr/>
           <a:lstStyle/>
           <a:p>
             <a:r>
               <a:rPr lang="en-US" dirty="0" smtClean="0"/>
-              <a:t>Normalized Variables (pre)</a:t>
+              <a:t>EUI by Property Type</a:t>
             </a:r>
             <a:endParaRPr lang="en-US" dirty="0"/>
           </a:p>
         </p:txBody>
       </p:sp>
-      <p:sp>
-        <p:nvSpPr>
-          <p:cNvPr id="3" name="Content Placeholder 2"/>
-          <p:cNvSpPr>
-            <a:spLocks noGrp="1"/>
-          </p:cNvSpPr>
+      <p:pic>
+        <p:nvPicPr>
+          <p:cNvPr id="4" name="Content Placeholder 3" descr="download (2).png"/>
+          <p:cNvPicPr>
+            <a:picLocks noGrp="1" noChangeAspect="1"/>
+          </p:cNvPicPr>
           <p:nvPr>
             <p:ph idx="1"/>
           </p:nvPr>
-        </p:nvSpPr>
-        <p:spPr/>
-        <p:txBody>
-          <a:bodyPr/>
-          <a:lstStyle/>
-          <a:p>
-            <a:endParaRPr lang="en-US"/>
-          </a:p>
-        </p:txBody>
-      </p:sp>
+        </p:nvPicPr>
+        <p:blipFill>
+          <a:blip r:embed="rId2">
+            <a:extLst>
+              <a:ext uri="{28A0092B-C50C-407E-A947-70E740481C1C}">
+                <a14:useLocalDpi xmlns:a14="http://schemas.microsoft.com/office/drawing/2010/main" val="0"/>
+              </a:ext>
+            </a:extLst>
+          </a:blip>
+          <a:srcRect t="860" b="860"/>
+          <a:stretch>
+            <a:fillRect/>
+          </a:stretch>
+        </p:blipFill>
+        <p:spPr/>
+      </p:pic>
     </p:spTree>
     <p:extLst>
       <p:ext uri="{BB962C8B-B14F-4D97-AF65-F5344CB8AC3E}">
-        <p14:creationId xmlns:p14="http://schemas.microsoft.com/office/powerpoint/2010/main" val="636554126"/>
+        <p14:creationId xmlns:p14="http://schemas.microsoft.com/office/powerpoint/2010/main" val="655415428"/>
       </p:ext>
     </p:extLst>
   </p:cSld>
@@ -3598,35 +4233,41 @@
           <a:p>
             <a:r>
               <a:rPr lang="en-US" dirty="0" smtClean="0"/>
-              <a:t>Normalized Variables (Post)</a:t>
+              <a:t>Continuous Variable Relationships</a:t>
             </a:r>
             <a:endParaRPr lang="en-US" dirty="0"/>
           </a:p>
         </p:txBody>
       </p:sp>
-      <p:sp>
-        <p:nvSpPr>
-          <p:cNvPr id="3" name="Content Placeholder 2"/>
-          <p:cNvSpPr>
-            <a:spLocks noGrp="1"/>
-          </p:cNvSpPr>
+      <p:pic>
+        <p:nvPicPr>
+          <p:cNvPr id="4" name="Content Placeholder 3" descr="download (3).png"/>
+          <p:cNvPicPr>
+            <a:picLocks noGrp="1" noChangeAspect="1"/>
+          </p:cNvPicPr>
           <p:nvPr>
             <p:ph idx="1"/>
           </p:nvPr>
-        </p:nvSpPr>
-        <p:spPr/>
-        <p:txBody>
-          <a:bodyPr/>
-          <a:lstStyle/>
-          <a:p>
-            <a:endParaRPr lang="en-US"/>
-          </a:p>
-        </p:txBody>
-      </p:sp>
+        </p:nvPicPr>
+        <p:blipFill>
+          <a:blip r:embed="rId2">
+            <a:extLst>
+              <a:ext uri="{28A0092B-C50C-407E-A947-70E740481C1C}">
+                <a14:useLocalDpi xmlns:a14="http://schemas.microsoft.com/office/drawing/2010/main" val="0"/>
+              </a:ext>
+            </a:extLst>
+          </a:blip>
+          <a:srcRect l="-41367" r="-41367"/>
+          <a:stretch>
+            <a:fillRect/>
+          </a:stretch>
+        </p:blipFill>
+        <p:spPr/>
+      </p:pic>
     </p:spTree>
     <p:extLst>
       <p:ext uri="{BB962C8B-B14F-4D97-AF65-F5344CB8AC3E}">
-        <p14:creationId xmlns:p14="http://schemas.microsoft.com/office/powerpoint/2010/main" val="909884862"/>
+        <p14:creationId xmlns:p14="http://schemas.microsoft.com/office/powerpoint/2010/main" val="2690186000"/>
       </p:ext>
     </p:extLst>
   </p:cSld>
@@ -3668,33 +4309,121 @@
           <a:bodyPr/>
           <a:lstStyle/>
           <a:p>
+            <a:r>
+              <a:rPr lang="en-US" dirty="0" smtClean="0"/>
+              <a:t>ENERGY STAR – Full Data Set</a:t>
+            </a:r>
             <a:endParaRPr lang="en-US" dirty="0"/>
           </a:p>
         </p:txBody>
       </p:sp>
-      <p:sp>
-        <p:nvSpPr>
-          <p:cNvPr id="3" name="Content Placeholder 2"/>
-          <p:cNvSpPr>
-            <a:spLocks noGrp="1"/>
-          </p:cNvSpPr>
+      <p:pic>
+        <p:nvPicPr>
+          <p:cNvPr id="4" name="Content Placeholder 3" descr="download (4).png"/>
+          <p:cNvPicPr>
+            <a:picLocks noGrp="1" noChangeAspect="1"/>
+          </p:cNvPicPr>
           <p:nvPr>
             <p:ph idx="1"/>
           </p:nvPr>
-        </p:nvSpPr>
-        <p:spPr/>
-        <p:txBody>
-          <a:bodyPr/>
-          <a:lstStyle/>
-          <a:p>
-            <a:endParaRPr lang="en-US"/>
-          </a:p>
-        </p:txBody>
-      </p:sp>
+        </p:nvPicPr>
+        <p:blipFill>
+          <a:blip r:embed="rId2">
+            <a:extLst>
+              <a:ext uri="{28A0092B-C50C-407E-A947-70E740481C1C}">
+                <a14:useLocalDpi xmlns:a14="http://schemas.microsoft.com/office/drawing/2010/main" val="0"/>
+              </a:ext>
+            </a:extLst>
+          </a:blip>
+          <a:srcRect l="3721" r="3721"/>
+          <a:stretch>
+            <a:fillRect/>
+          </a:stretch>
+        </p:blipFill>
+        <p:spPr/>
+      </p:pic>
     </p:spTree>
     <p:extLst>
       <p:ext uri="{BB962C8B-B14F-4D97-AF65-F5344CB8AC3E}">
-        <p14:creationId xmlns:p14="http://schemas.microsoft.com/office/powerpoint/2010/main" val="655415428"/>
+        <p14:creationId xmlns:p14="http://schemas.microsoft.com/office/powerpoint/2010/main" val="2335250778"/>
+      </p:ext>
+    </p:extLst>
+  </p:cSld>
+  <p:clrMapOvr>
+    <a:masterClrMapping/>
+  </p:clrMapOvr>
+</p:sld>
+</file>
+
+<file path=ppt/slides/slide9.xml><?xml version="1.0" encoding="utf-8"?>
+<p:sld xmlns:a="http://schemas.openxmlformats.org/drawingml/2006/main" xmlns:r="http://schemas.openxmlformats.org/officeDocument/2006/relationships" xmlns:p="http://schemas.openxmlformats.org/presentationml/2006/main">
+  <p:cSld>
+    <p:spTree>
+      <p:nvGrpSpPr>
+        <p:cNvPr id="1" name=""/>
+        <p:cNvGrpSpPr/>
+        <p:nvPr/>
+      </p:nvGrpSpPr>
+      <p:grpSpPr>
+        <a:xfrm>
+          <a:off x="0" y="0"/>
+          <a:ext cx="0" cy="0"/>
+          <a:chOff x="0" y="0"/>
+          <a:chExt cx="0" cy="0"/>
+        </a:xfrm>
+      </p:grpSpPr>
+      <p:sp>
+        <p:nvSpPr>
+          <p:cNvPr id="2" name="Title 1"/>
+          <p:cNvSpPr>
+            <a:spLocks noGrp="1"/>
+          </p:cNvSpPr>
+          <p:nvPr>
+            <p:ph type="title"/>
+          </p:nvPr>
+        </p:nvSpPr>
+        <p:spPr/>
+        <p:txBody>
+          <a:bodyPr/>
+          <a:lstStyle/>
+          <a:p>
+            <a:r>
+              <a:rPr lang="en-US" dirty="0" smtClean="0"/>
+              <a:t>ENERGY STAR – MF and Office</a:t>
+            </a:r>
+            <a:endParaRPr lang="en-US" dirty="0"/>
+          </a:p>
+        </p:txBody>
+      </p:sp>
+      <p:pic>
+        <p:nvPicPr>
+          <p:cNvPr id="4" name="Content Placeholder 3" descr="download (5).png"/>
+          <p:cNvPicPr>
+            <a:picLocks noGrp="1" noChangeAspect="1"/>
+          </p:cNvPicPr>
+          <p:nvPr>
+            <p:ph idx="1"/>
+          </p:nvPr>
+        </p:nvPicPr>
+        <p:blipFill>
+          <a:blip r:embed="rId2">
+            <a:extLst>
+              <a:ext uri="{28A0092B-C50C-407E-A947-70E740481C1C}">
+                <a14:useLocalDpi xmlns:a14="http://schemas.microsoft.com/office/drawing/2010/main" val="0"/>
+              </a:ext>
+            </a:extLst>
+          </a:blip>
+          <a:srcRect l="3721" r="3721"/>
+          <a:stretch>
+            <a:fillRect/>
+          </a:stretch>
+        </p:blipFill>
+        <p:spPr/>
+      </p:pic>
+    </p:spTree>
+    <p:extLst>
+      <p:ext uri="{BB962C8B-B14F-4D97-AF65-F5344CB8AC3E}">
+        <p14:creationId xmlns:p14="http://schemas.microsoft.com/office/powerpoint/2010/main" val="1408357853"/>
       </p:ext>
     </p:extLst>
   </p:cSld>
